--- a/大数据框架技术原理/关于Hive和Hadoop的一些优化经验.pptx
+++ b/大数据框架技术原理/关于Hive和Hadoop的一些优化经验.pptx
@@ -1,9 +1,23 @@
 
 <file path=ppt/presentation.xml><?xml version="1.0" encoding="utf-8"?>
-<p:presentation xmlns:a="http://schemas.openxmlformats.org/drawingml/2006/main" xmlns:r="http://schemas.openxmlformats.org/officeDocument/2006/relationships" xmlns:p="http://schemas.openxmlformats.org/presentationml/2006/main" saveSubsetFonts="1">
+<p:presentation xmlns:a="http://schemas.openxmlformats.org/drawingml/2006/main" xmlns:r="http://schemas.openxmlformats.org/officeDocument/2006/relationships" xmlns:p="http://schemas.openxmlformats.org/presentationml/2006/main">
   <p:sldMasterIdLst>
     <p:sldMasterId id="2147483648" r:id="rId1"/>
   </p:sldMasterIdLst>
+  <p:sldIdLst>
+    <p:sldId id="256" r:id="rId3"/>
+    <p:sldId id="257" r:id="rId4"/>
+    <p:sldId id="258" r:id="rId5"/>
+    <p:sldId id="259" r:id="rId6"/>
+    <p:sldId id="260" r:id="rId7"/>
+    <p:sldId id="261" r:id="rId8"/>
+    <p:sldId id="262" r:id="rId9"/>
+    <p:sldId id="263" r:id="rId10"/>
+    <p:sldId id="264" r:id="rId11"/>
+    <p:sldId id="265" r:id="rId12"/>
+    <p:sldId id="266" r:id="rId13"/>
+    <p:sldId id="267" r:id="rId14"/>
+  </p:sldIdLst>
   <p:sldSz cx="12192000" cy="6858000"/>
   <p:notesSz cx="6858000" cy="9144000"/>
   <p:defaultTextStyle>
@@ -235,7 +249,6 @@
           <a:p>
             <a:fld id="{D997B5FA-0921-464F-AAE1-844C04324D75}" type="datetimeFigureOut">
               <a:rPr lang="zh-CN" altLang="en-US" smtClean="0"/>
-              <a:t>2015/5/5</a:t>
             </a:fld>
             <a:endParaRPr lang="zh-CN" altLang="en-US"/>
           </a:p>
@@ -277,18 +290,12 @@
           <a:p>
             <a:fld id="{565CE74E-AB26-4998-AD42-012C4C1AD076}" type="slidenum">
               <a:rPr lang="zh-CN" altLang="en-US" smtClean="0"/>
-              <a:t>‹#›</a:t>
             </a:fld>
             <a:endParaRPr lang="zh-CN" altLang="en-US"/>
           </a:p>
         </p:txBody>
       </p:sp>
     </p:spTree>
-    <p:extLst>
-      <p:ext uri="{BB962C8B-B14F-4D97-AF65-F5344CB8AC3E}">
-        <p14:creationId xmlns:p14="http://schemas.microsoft.com/office/powerpoint/2010/main" val="3051827620"/>
-      </p:ext>
-    </p:extLst>
   </p:cSld>
   <p:clrMapOvr>
     <a:masterClrMapping/>
@@ -356,6 +363,7 @@
               <a:rPr lang="zh-CN" altLang="en-US" smtClean="0"/>
               <a:t>单击此处编辑母版文本样式</a:t>
             </a:r>
+            <a:endParaRPr lang="zh-CN" altLang="en-US" smtClean="0"/>
           </a:p>
           <a:p>
             <a:pPr lvl="1"/>
@@ -363,6 +371,7 @@
               <a:rPr lang="zh-CN" altLang="en-US" smtClean="0"/>
               <a:t>第二级</a:t>
             </a:r>
+            <a:endParaRPr lang="zh-CN" altLang="en-US" smtClean="0"/>
           </a:p>
           <a:p>
             <a:pPr lvl="2"/>
@@ -370,6 +379,7 @@
               <a:rPr lang="zh-CN" altLang="en-US" smtClean="0"/>
               <a:t>第三级</a:t>
             </a:r>
+            <a:endParaRPr lang="zh-CN" altLang="en-US" smtClean="0"/>
           </a:p>
           <a:p>
             <a:pPr lvl="3"/>
@@ -377,6 +387,7 @@
               <a:rPr lang="zh-CN" altLang="en-US" smtClean="0"/>
               <a:t>第四级</a:t>
             </a:r>
+            <a:endParaRPr lang="zh-CN" altLang="en-US" smtClean="0"/>
           </a:p>
           <a:p>
             <a:pPr lvl="4"/>
@@ -405,7 +416,6 @@
           <a:p>
             <a:fld id="{D997B5FA-0921-464F-AAE1-844C04324D75}" type="datetimeFigureOut">
               <a:rPr lang="zh-CN" altLang="en-US" smtClean="0"/>
-              <a:t>2015/5/5</a:t>
             </a:fld>
             <a:endParaRPr lang="zh-CN" altLang="en-US"/>
           </a:p>
@@ -447,18 +457,12 @@
           <a:p>
             <a:fld id="{565CE74E-AB26-4998-AD42-012C4C1AD076}" type="slidenum">
               <a:rPr lang="zh-CN" altLang="en-US" smtClean="0"/>
-              <a:t>‹#›</a:t>
             </a:fld>
             <a:endParaRPr lang="zh-CN" altLang="en-US"/>
           </a:p>
         </p:txBody>
       </p:sp>
     </p:spTree>
-    <p:extLst>
-      <p:ext uri="{BB962C8B-B14F-4D97-AF65-F5344CB8AC3E}">
-        <p14:creationId xmlns:p14="http://schemas.microsoft.com/office/powerpoint/2010/main" val="3188717747"/>
-      </p:ext>
-    </p:extLst>
   </p:cSld>
   <p:clrMapOvr>
     <a:masterClrMapping/>
@@ -536,6 +540,7 @@
               <a:rPr lang="zh-CN" altLang="en-US" smtClean="0"/>
               <a:t>单击此处编辑母版文本样式</a:t>
             </a:r>
+            <a:endParaRPr lang="zh-CN" altLang="en-US" smtClean="0"/>
           </a:p>
           <a:p>
             <a:pPr lvl="1"/>
@@ -543,6 +548,7 @@
               <a:rPr lang="zh-CN" altLang="en-US" smtClean="0"/>
               <a:t>第二级</a:t>
             </a:r>
+            <a:endParaRPr lang="zh-CN" altLang="en-US" smtClean="0"/>
           </a:p>
           <a:p>
             <a:pPr lvl="2"/>
@@ -550,6 +556,7 @@
               <a:rPr lang="zh-CN" altLang="en-US" smtClean="0"/>
               <a:t>第三级</a:t>
             </a:r>
+            <a:endParaRPr lang="zh-CN" altLang="en-US" smtClean="0"/>
           </a:p>
           <a:p>
             <a:pPr lvl="3"/>
@@ -557,6 +564,7 @@
               <a:rPr lang="zh-CN" altLang="en-US" smtClean="0"/>
               <a:t>第四级</a:t>
             </a:r>
+            <a:endParaRPr lang="zh-CN" altLang="en-US" smtClean="0"/>
           </a:p>
           <a:p>
             <a:pPr lvl="4"/>
@@ -585,7 +593,6 @@
           <a:p>
             <a:fld id="{D997B5FA-0921-464F-AAE1-844C04324D75}" type="datetimeFigureOut">
               <a:rPr lang="zh-CN" altLang="en-US" smtClean="0"/>
-              <a:t>2015/5/5</a:t>
             </a:fld>
             <a:endParaRPr lang="zh-CN" altLang="en-US"/>
           </a:p>
@@ -627,18 +634,12 @@
           <a:p>
             <a:fld id="{565CE74E-AB26-4998-AD42-012C4C1AD076}" type="slidenum">
               <a:rPr lang="zh-CN" altLang="en-US" smtClean="0"/>
-              <a:t>‹#›</a:t>
             </a:fld>
             <a:endParaRPr lang="zh-CN" altLang="en-US"/>
           </a:p>
         </p:txBody>
       </p:sp>
     </p:spTree>
-    <p:extLst>
-      <p:ext uri="{BB962C8B-B14F-4D97-AF65-F5344CB8AC3E}">
-        <p14:creationId xmlns:p14="http://schemas.microsoft.com/office/powerpoint/2010/main" val="4025501431"/>
-      </p:ext>
-    </p:extLst>
   </p:cSld>
   <p:clrMapOvr>
     <a:masterClrMapping/>
@@ -706,6 +707,7 @@
               <a:rPr lang="zh-CN" altLang="en-US" smtClean="0"/>
               <a:t>单击此处编辑母版文本样式</a:t>
             </a:r>
+            <a:endParaRPr lang="zh-CN" altLang="en-US" smtClean="0"/>
           </a:p>
           <a:p>
             <a:pPr lvl="1"/>
@@ -713,6 +715,7 @@
               <a:rPr lang="zh-CN" altLang="en-US" smtClean="0"/>
               <a:t>第二级</a:t>
             </a:r>
+            <a:endParaRPr lang="zh-CN" altLang="en-US" smtClean="0"/>
           </a:p>
           <a:p>
             <a:pPr lvl="2"/>
@@ -720,6 +723,7 @@
               <a:rPr lang="zh-CN" altLang="en-US" smtClean="0"/>
               <a:t>第三级</a:t>
             </a:r>
+            <a:endParaRPr lang="zh-CN" altLang="en-US" smtClean="0"/>
           </a:p>
           <a:p>
             <a:pPr lvl="3"/>
@@ -727,6 +731,7 @@
               <a:rPr lang="zh-CN" altLang="en-US" smtClean="0"/>
               <a:t>第四级</a:t>
             </a:r>
+            <a:endParaRPr lang="zh-CN" altLang="en-US" smtClean="0"/>
           </a:p>
           <a:p>
             <a:pPr lvl="4"/>
@@ -755,7 +760,6 @@
           <a:p>
             <a:fld id="{D997B5FA-0921-464F-AAE1-844C04324D75}" type="datetimeFigureOut">
               <a:rPr lang="zh-CN" altLang="en-US" smtClean="0"/>
-              <a:t>2015/5/5</a:t>
             </a:fld>
             <a:endParaRPr lang="zh-CN" altLang="en-US"/>
           </a:p>
@@ -797,18 +801,12 @@
           <a:p>
             <a:fld id="{565CE74E-AB26-4998-AD42-012C4C1AD076}" type="slidenum">
               <a:rPr lang="zh-CN" altLang="en-US" smtClean="0"/>
-              <a:t>‹#›</a:t>
             </a:fld>
             <a:endParaRPr lang="zh-CN" altLang="en-US"/>
           </a:p>
         </p:txBody>
       </p:sp>
     </p:spTree>
-    <p:extLst>
-      <p:ext uri="{BB962C8B-B14F-4D97-AF65-F5344CB8AC3E}">
-        <p14:creationId xmlns:p14="http://schemas.microsoft.com/office/powerpoint/2010/main" val="598653943"/>
-      </p:ext>
-    </p:extLst>
   </p:cSld>
   <p:clrMapOvr>
     <a:masterClrMapping/>
@@ -981,6 +979,7 @@
               <a:rPr lang="zh-CN" altLang="en-US" smtClean="0"/>
               <a:t>单击此处编辑母版文本样式</a:t>
             </a:r>
+            <a:endParaRPr lang="zh-CN" altLang="en-US" smtClean="0"/>
           </a:p>
         </p:txBody>
       </p:sp>
@@ -1001,7 +1000,6 @@
           <a:p>
             <a:fld id="{D997B5FA-0921-464F-AAE1-844C04324D75}" type="datetimeFigureOut">
               <a:rPr lang="zh-CN" altLang="en-US" smtClean="0"/>
-              <a:t>2015/5/5</a:t>
             </a:fld>
             <a:endParaRPr lang="zh-CN" altLang="en-US"/>
           </a:p>
@@ -1043,18 +1041,12 @@
           <a:p>
             <a:fld id="{565CE74E-AB26-4998-AD42-012C4C1AD076}" type="slidenum">
               <a:rPr lang="zh-CN" altLang="en-US" smtClean="0"/>
-              <a:t>‹#›</a:t>
             </a:fld>
             <a:endParaRPr lang="zh-CN" altLang="en-US"/>
           </a:p>
         </p:txBody>
       </p:sp>
     </p:spTree>
-    <p:extLst>
-      <p:ext uri="{BB962C8B-B14F-4D97-AF65-F5344CB8AC3E}">
-        <p14:creationId xmlns:p14="http://schemas.microsoft.com/office/powerpoint/2010/main" val="1612184157"/>
-      </p:ext>
-    </p:extLst>
   </p:cSld>
   <p:clrMapOvr>
     <a:masterClrMapping/>
@@ -1127,6 +1119,7 @@
               <a:rPr lang="zh-CN" altLang="en-US" smtClean="0"/>
               <a:t>单击此处编辑母版文本样式</a:t>
             </a:r>
+            <a:endParaRPr lang="zh-CN" altLang="en-US" smtClean="0"/>
           </a:p>
           <a:p>
             <a:pPr lvl="1"/>
@@ -1134,6 +1127,7 @@
               <a:rPr lang="zh-CN" altLang="en-US" smtClean="0"/>
               <a:t>第二级</a:t>
             </a:r>
+            <a:endParaRPr lang="zh-CN" altLang="en-US" smtClean="0"/>
           </a:p>
           <a:p>
             <a:pPr lvl="2"/>
@@ -1141,6 +1135,7 @@
               <a:rPr lang="zh-CN" altLang="en-US" smtClean="0"/>
               <a:t>第三级</a:t>
             </a:r>
+            <a:endParaRPr lang="zh-CN" altLang="en-US" smtClean="0"/>
           </a:p>
           <a:p>
             <a:pPr lvl="3"/>
@@ -1148,6 +1143,7 @@
               <a:rPr lang="zh-CN" altLang="en-US" smtClean="0"/>
               <a:t>第四级</a:t>
             </a:r>
+            <a:endParaRPr lang="zh-CN" altLang="en-US" smtClean="0"/>
           </a:p>
           <a:p>
             <a:pPr lvl="4"/>
@@ -1184,6 +1180,7 @@
               <a:rPr lang="zh-CN" altLang="en-US" smtClean="0"/>
               <a:t>单击此处编辑母版文本样式</a:t>
             </a:r>
+            <a:endParaRPr lang="zh-CN" altLang="en-US" smtClean="0"/>
           </a:p>
           <a:p>
             <a:pPr lvl="1"/>
@@ -1191,6 +1188,7 @@
               <a:rPr lang="zh-CN" altLang="en-US" smtClean="0"/>
               <a:t>第二级</a:t>
             </a:r>
+            <a:endParaRPr lang="zh-CN" altLang="en-US" smtClean="0"/>
           </a:p>
           <a:p>
             <a:pPr lvl="2"/>
@@ -1198,6 +1196,7 @@
               <a:rPr lang="zh-CN" altLang="en-US" smtClean="0"/>
               <a:t>第三级</a:t>
             </a:r>
+            <a:endParaRPr lang="zh-CN" altLang="en-US" smtClean="0"/>
           </a:p>
           <a:p>
             <a:pPr lvl="3"/>
@@ -1205,6 +1204,7 @@
               <a:rPr lang="zh-CN" altLang="en-US" smtClean="0"/>
               <a:t>第四级</a:t>
             </a:r>
+            <a:endParaRPr lang="zh-CN" altLang="en-US" smtClean="0"/>
           </a:p>
           <a:p>
             <a:pPr lvl="4"/>
@@ -1233,7 +1233,6 @@
           <a:p>
             <a:fld id="{D997B5FA-0921-464F-AAE1-844C04324D75}" type="datetimeFigureOut">
               <a:rPr lang="zh-CN" altLang="en-US" smtClean="0"/>
-              <a:t>2015/5/5</a:t>
             </a:fld>
             <a:endParaRPr lang="zh-CN" altLang="en-US"/>
           </a:p>
@@ -1275,18 +1274,12 @@
           <a:p>
             <a:fld id="{565CE74E-AB26-4998-AD42-012C4C1AD076}" type="slidenum">
               <a:rPr lang="zh-CN" altLang="en-US" smtClean="0"/>
-              <a:t>‹#›</a:t>
             </a:fld>
             <a:endParaRPr lang="zh-CN" altLang="en-US"/>
           </a:p>
         </p:txBody>
       </p:sp>
     </p:spTree>
-    <p:extLst>
-      <p:ext uri="{BB962C8B-B14F-4D97-AF65-F5344CB8AC3E}">
-        <p14:creationId xmlns:p14="http://schemas.microsoft.com/office/powerpoint/2010/main" val="2905825717"/>
-      </p:ext>
-    </p:extLst>
   </p:cSld>
   <p:clrMapOvr>
     <a:masterClrMapping/>
@@ -1401,6 +1394,7 @@
               <a:rPr lang="zh-CN" altLang="en-US" smtClean="0"/>
               <a:t>单击此处编辑母版文本样式</a:t>
             </a:r>
+            <a:endParaRPr lang="zh-CN" altLang="en-US" smtClean="0"/>
           </a:p>
         </p:txBody>
       </p:sp>
@@ -1429,6 +1423,7 @@
               <a:rPr lang="zh-CN" altLang="en-US" smtClean="0"/>
               <a:t>单击此处编辑母版文本样式</a:t>
             </a:r>
+            <a:endParaRPr lang="zh-CN" altLang="en-US" smtClean="0"/>
           </a:p>
           <a:p>
             <a:pPr lvl="1"/>
@@ -1436,6 +1431,7 @@
               <a:rPr lang="zh-CN" altLang="en-US" smtClean="0"/>
               <a:t>第二级</a:t>
             </a:r>
+            <a:endParaRPr lang="zh-CN" altLang="en-US" smtClean="0"/>
           </a:p>
           <a:p>
             <a:pPr lvl="2"/>
@@ -1443,6 +1439,7 @@
               <a:rPr lang="zh-CN" altLang="en-US" smtClean="0"/>
               <a:t>第三级</a:t>
             </a:r>
+            <a:endParaRPr lang="zh-CN" altLang="en-US" smtClean="0"/>
           </a:p>
           <a:p>
             <a:pPr lvl="3"/>
@@ -1450,6 +1447,7 @@
               <a:rPr lang="zh-CN" altLang="en-US" smtClean="0"/>
               <a:t>第四级</a:t>
             </a:r>
+            <a:endParaRPr lang="zh-CN" altLang="en-US" smtClean="0"/>
           </a:p>
           <a:p>
             <a:pPr lvl="4"/>
@@ -1523,6 +1521,7 @@
               <a:rPr lang="zh-CN" altLang="en-US" smtClean="0"/>
               <a:t>单击此处编辑母版文本样式</a:t>
             </a:r>
+            <a:endParaRPr lang="zh-CN" altLang="en-US" smtClean="0"/>
           </a:p>
         </p:txBody>
       </p:sp>
@@ -1551,6 +1550,7 @@
               <a:rPr lang="zh-CN" altLang="en-US" smtClean="0"/>
               <a:t>单击此处编辑母版文本样式</a:t>
             </a:r>
+            <a:endParaRPr lang="zh-CN" altLang="en-US" smtClean="0"/>
           </a:p>
           <a:p>
             <a:pPr lvl="1"/>
@@ -1558,6 +1558,7 @@
               <a:rPr lang="zh-CN" altLang="en-US" smtClean="0"/>
               <a:t>第二级</a:t>
             </a:r>
+            <a:endParaRPr lang="zh-CN" altLang="en-US" smtClean="0"/>
           </a:p>
           <a:p>
             <a:pPr lvl="2"/>
@@ -1565,6 +1566,7 @@
               <a:rPr lang="zh-CN" altLang="en-US" smtClean="0"/>
               <a:t>第三级</a:t>
             </a:r>
+            <a:endParaRPr lang="zh-CN" altLang="en-US" smtClean="0"/>
           </a:p>
           <a:p>
             <a:pPr lvl="3"/>
@@ -1572,6 +1574,7 @@
               <a:rPr lang="zh-CN" altLang="en-US" smtClean="0"/>
               <a:t>第四级</a:t>
             </a:r>
+            <a:endParaRPr lang="zh-CN" altLang="en-US" smtClean="0"/>
           </a:p>
           <a:p>
             <a:pPr lvl="4"/>
@@ -1600,7 +1603,6 @@
           <a:p>
             <a:fld id="{D997B5FA-0921-464F-AAE1-844C04324D75}" type="datetimeFigureOut">
               <a:rPr lang="zh-CN" altLang="en-US" smtClean="0"/>
-              <a:t>2015/5/5</a:t>
             </a:fld>
             <a:endParaRPr lang="zh-CN" altLang="en-US"/>
           </a:p>
@@ -1642,18 +1644,12 @@
           <a:p>
             <a:fld id="{565CE74E-AB26-4998-AD42-012C4C1AD076}" type="slidenum">
               <a:rPr lang="zh-CN" altLang="en-US" smtClean="0"/>
-              <a:t>‹#›</a:t>
             </a:fld>
             <a:endParaRPr lang="zh-CN" altLang="en-US"/>
           </a:p>
         </p:txBody>
       </p:sp>
     </p:spTree>
-    <p:extLst>
-      <p:ext uri="{BB962C8B-B14F-4D97-AF65-F5344CB8AC3E}">
-        <p14:creationId xmlns:p14="http://schemas.microsoft.com/office/powerpoint/2010/main" val="168117047"/>
-      </p:ext>
-    </p:extLst>
   </p:cSld>
   <p:clrMapOvr>
     <a:masterClrMapping/>
@@ -1718,7 +1714,6 @@
           <a:p>
             <a:fld id="{D997B5FA-0921-464F-AAE1-844C04324D75}" type="datetimeFigureOut">
               <a:rPr lang="zh-CN" altLang="en-US" smtClean="0"/>
-              <a:t>2015/5/5</a:t>
             </a:fld>
             <a:endParaRPr lang="zh-CN" altLang="en-US"/>
           </a:p>
@@ -1760,18 +1755,12 @@
           <a:p>
             <a:fld id="{565CE74E-AB26-4998-AD42-012C4C1AD076}" type="slidenum">
               <a:rPr lang="zh-CN" altLang="en-US" smtClean="0"/>
-              <a:t>‹#›</a:t>
             </a:fld>
             <a:endParaRPr lang="zh-CN" altLang="en-US"/>
           </a:p>
         </p:txBody>
       </p:sp>
     </p:spTree>
-    <p:extLst>
-      <p:ext uri="{BB962C8B-B14F-4D97-AF65-F5344CB8AC3E}">
-        <p14:creationId xmlns:p14="http://schemas.microsoft.com/office/powerpoint/2010/main" val="2764406021"/>
-      </p:ext>
-    </p:extLst>
   </p:cSld>
   <p:clrMapOvr>
     <a:masterClrMapping/>
@@ -1813,7 +1802,6 @@
           <a:p>
             <a:fld id="{D997B5FA-0921-464F-AAE1-844C04324D75}" type="datetimeFigureOut">
               <a:rPr lang="zh-CN" altLang="en-US" smtClean="0"/>
-              <a:t>2015/5/5</a:t>
             </a:fld>
             <a:endParaRPr lang="zh-CN" altLang="en-US"/>
           </a:p>
@@ -1855,18 +1843,12 @@
           <a:p>
             <a:fld id="{565CE74E-AB26-4998-AD42-012C4C1AD076}" type="slidenum">
               <a:rPr lang="zh-CN" altLang="en-US" smtClean="0"/>
-              <a:t>‹#›</a:t>
             </a:fld>
             <a:endParaRPr lang="zh-CN" altLang="en-US"/>
           </a:p>
         </p:txBody>
       </p:sp>
     </p:spTree>
-    <p:extLst>
-      <p:ext uri="{BB962C8B-B14F-4D97-AF65-F5344CB8AC3E}">
-        <p14:creationId xmlns:p14="http://schemas.microsoft.com/office/powerpoint/2010/main" val="276523006"/>
-      </p:ext>
-    </p:extLst>
   </p:cSld>
   <p:clrMapOvr>
     <a:masterClrMapping/>
@@ -1976,6 +1958,7 @@
               <a:rPr lang="zh-CN" altLang="en-US" smtClean="0"/>
               <a:t>单击此处编辑母版文本样式</a:t>
             </a:r>
+            <a:endParaRPr lang="zh-CN" altLang="en-US" smtClean="0"/>
           </a:p>
           <a:p>
             <a:pPr lvl="1"/>
@@ -1983,6 +1966,7 @@
               <a:rPr lang="zh-CN" altLang="en-US" smtClean="0"/>
               <a:t>第二级</a:t>
             </a:r>
+            <a:endParaRPr lang="zh-CN" altLang="en-US" smtClean="0"/>
           </a:p>
           <a:p>
             <a:pPr lvl="2"/>
@@ -1990,6 +1974,7 @@
               <a:rPr lang="zh-CN" altLang="en-US" smtClean="0"/>
               <a:t>第三级</a:t>
             </a:r>
+            <a:endParaRPr lang="zh-CN" altLang="en-US" smtClean="0"/>
           </a:p>
           <a:p>
             <a:pPr lvl="3"/>
@@ -1997,6 +1982,7 @@
               <a:rPr lang="zh-CN" altLang="en-US" smtClean="0"/>
               <a:t>第四级</a:t>
             </a:r>
+            <a:endParaRPr lang="zh-CN" altLang="en-US" smtClean="0"/>
           </a:p>
           <a:p>
             <a:pPr lvl="4"/>
@@ -2070,6 +2056,7 @@
               <a:rPr lang="zh-CN" altLang="en-US" smtClean="0"/>
               <a:t>单击此处编辑母版文本样式</a:t>
             </a:r>
+            <a:endParaRPr lang="zh-CN" altLang="en-US" smtClean="0"/>
           </a:p>
         </p:txBody>
       </p:sp>
@@ -2090,7 +2077,6 @@
           <a:p>
             <a:fld id="{D997B5FA-0921-464F-AAE1-844C04324D75}" type="datetimeFigureOut">
               <a:rPr lang="zh-CN" altLang="en-US" smtClean="0"/>
-              <a:t>2015/5/5</a:t>
             </a:fld>
             <a:endParaRPr lang="zh-CN" altLang="en-US"/>
           </a:p>
@@ -2132,18 +2118,12 @@
           <a:p>
             <a:fld id="{565CE74E-AB26-4998-AD42-012C4C1AD076}" type="slidenum">
               <a:rPr lang="zh-CN" altLang="en-US" smtClean="0"/>
-              <a:t>‹#›</a:t>
             </a:fld>
             <a:endParaRPr lang="zh-CN" altLang="en-US"/>
           </a:p>
         </p:txBody>
       </p:sp>
     </p:spTree>
-    <p:extLst>
-      <p:ext uri="{BB962C8B-B14F-4D97-AF65-F5344CB8AC3E}">
-        <p14:creationId xmlns:p14="http://schemas.microsoft.com/office/powerpoint/2010/main" val="694758376"/>
-      </p:ext>
-    </p:extLst>
   </p:cSld>
   <p:clrMapOvr>
     <a:masterClrMapping/>
@@ -2323,6 +2303,7 @@
               <a:rPr lang="zh-CN" altLang="en-US" smtClean="0"/>
               <a:t>单击此处编辑母版文本样式</a:t>
             </a:r>
+            <a:endParaRPr lang="zh-CN" altLang="en-US" smtClean="0"/>
           </a:p>
         </p:txBody>
       </p:sp>
@@ -2343,7 +2324,6 @@
           <a:p>
             <a:fld id="{D997B5FA-0921-464F-AAE1-844C04324D75}" type="datetimeFigureOut">
               <a:rPr lang="zh-CN" altLang="en-US" smtClean="0"/>
-              <a:t>2015/5/5</a:t>
             </a:fld>
             <a:endParaRPr lang="zh-CN" altLang="en-US"/>
           </a:p>
@@ -2385,18 +2365,12 @@
           <a:p>
             <a:fld id="{565CE74E-AB26-4998-AD42-012C4C1AD076}" type="slidenum">
               <a:rPr lang="zh-CN" altLang="en-US" smtClean="0"/>
-              <a:t>‹#›</a:t>
             </a:fld>
             <a:endParaRPr lang="zh-CN" altLang="en-US"/>
           </a:p>
         </p:txBody>
       </p:sp>
     </p:spTree>
-    <p:extLst>
-      <p:ext uri="{BB962C8B-B14F-4D97-AF65-F5344CB8AC3E}">
-        <p14:creationId xmlns:p14="http://schemas.microsoft.com/office/powerpoint/2010/main" val="477805659"/>
-      </p:ext>
-    </p:extLst>
   </p:cSld>
   <p:clrMapOvr>
     <a:masterClrMapping/>
@@ -2489,6 +2463,7 @@
               <a:rPr lang="zh-CN" altLang="en-US" smtClean="0"/>
               <a:t>单击此处编辑母版文本样式</a:t>
             </a:r>
+            <a:endParaRPr lang="zh-CN" altLang="en-US" smtClean="0"/>
           </a:p>
           <a:p>
             <a:pPr lvl="1"/>
@@ -2496,6 +2471,7 @@
               <a:rPr lang="zh-CN" altLang="en-US" smtClean="0"/>
               <a:t>第二级</a:t>
             </a:r>
+            <a:endParaRPr lang="zh-CN" altLang="en-US" smtClean="0"/>
           </a:p>
           <a:p>
             <a:pPr lvl="2"/>
@@ -2503,6 +2479,7 @@
               <a:rPr lang="zh-CN" altLang="en-US" smtClean="0"/>
               <a:t>第三级</a:t>
             </a:r>
+            <a:endParaRPr lang="zh-CN" altLang="en-US" smtClean="0"/>
           </a:p>
           <a:p>
             <a:pPr lvl="3"/>
@@ -2510,6 +2487,7 @@
               <a:rPr lang="zh-CN" altLang="en-US" smtClean="0"/>
               <a:t>第四级</a:t>
             </a:r>
+            <a:endParaRPr lang="zh-CN" altLang="en-US" smtClean="0"/>
           </a:p>
           <a:p>
             <a:pPr lvl="4"/>
@@ -2556,7 +2534,6 @@
           <a:p>
             <a:fld id="{D997B5FA-0921-464F-AAE1-844C04324D75}" type="datetimeFigureOut">
               <a:rPr lang="zh-CN" altLang="en-US" smtClean="0"/>
-              <a:t>2015/5/5</a:t>
             </a:fld>
             <a:endParaRPr lang="zh-CN" altLang="en-US"/>
           </a:p>
@@ -2634,18 +2611,12 @@
           <a:p>
             <a:fld id="{565CE74E-AB26-4998-AD42-012C4C1AD076}" type="slidenum">
               <a:rPr lang="zh-CN" altLang="en-US" smtClean="0"/>
-              <a:t>‹#›</a:t>
             </a:fld>
             <a:endParaRPr lang="zh-CN" altLang="en-US"/>
           </a:p>
         </p:txBody>
       </p:sp>
     </p:spTree>
-    <p:extLst>
-      <p:ext uri="{BB962C8B-B14F-4D97-AF65-F5344CB8AC3E}">
-        <p14:creationId xmlns:p14="http://schemas.microsoft.com/office/powerpoint/2010/main" val="2003094035"/>
-      </p:ext>
-    </p:extLst>
   </p:cSld>
   <p:clrMap bg1="lt1" tx1="dk1" bg2="lt2" tx2="dk2" accent1="accent1" accent2="accent2" accent3="accent3" accent4="accent4" accent5="accent5" accent6="accent6" hlink="hlink" folHlink="folHlink"/>
   <p:sldLayoutIdLst>
@@ -2689,7 +2660,7 @@
         <a:spcBef>
           <a:spcPts val="1000"/>
         </a:spcBef>
-        <a:buFont typeface="Arial" panose="020B0604020202020204" pitchFamily="34" charset="0"/>
+        <a:buFont typeface="Arial" panose="02080604020202020204" pitchFamily="34" charset="0"/>
         <a:buChar char="•"/>
         <a:defRPr sz="2800" kern="1200">
           <a:solidFill>
@@ -2707,7 +2678,7 @@
         <a:spcBef>
           <a:spcPts val="500"/>
         </a:spcBef>
-        <a:buFont typeface="Arial" panose="020B0604020202020204" pitchFamily="34" charset="0"/>
+        <a:buFont typeface="Arial" panose="02080604020202020204" pitchFamily="34" charset="0"/>
         <a:buChar char="•"/>
         <a:defRPr sz="2400" kern="1200">
           <a:solidFill>
@@ -2725,7 +2696,7 @@
         <a:spcBef>
           <a:spcPts val="500"/>
         </a:spcBef>
-        <a:buFont typeface="Arial" panose="020B0604020202020204" pitchFamily="34" charset="0"/>
+        <a:buFont typeface="Arial" panose="02080604020202020204" pitchFamily="34" charset="0"/>
         <a:buChar char="•"/>
         <a:defRPr sz="2000" kern="1200">
           <a:solidFill>
@@ -2743,7 +2714,7 @@
         <a:spcBef>
           <a:spcPts val="500"/>
         </a:spcBef>
-        <a:buFont typeface="Arial" panose="020B0604020202020204" pitchFamily="34" charset="0"/>
+        <a:buFont typeface="Arial" panose="02080604020202020204" pitchFamily="34" charset="0"/>
         <a:buChar char="•"/>
         <a:defRPr sz="1800" kern="1200">
           <a:solidFill>
@@ -2761,7 +2732,7 @@
         <a:spcBef>
           <a:spcPts val="500"/>
         </a:spcBef>
-        <a:buFont typeface="Arial" panose="020B0604020202020204" pitchFamily="34" charset="0"/>
+        <a:buFont typeface="Arial" panose="02080604020202020204" pitchFamily="34" charset="0"/>
         <a:buChar char="•"/>
         <a:defRPr sz="1800" kern="1200">
           <a:solidFill>
@@ -2779,7 +2750,7 @@
         <a:spcBef>
           <a:spcPts val="500"/>
         </a:spcBef>
-        <a:buFont typeface="Arial" panose="020B0604020202020204" pitchFamily="34" charset="0"/>
+        <a:buFont typeface="Arial" panose="02080604020202020204" pitchFamily="34" charset="0"/>
         <a:buChar char="•"/>
         <a:defRPr sz="1800" kern="1200">
           <a:solidFill>
@@ -2797,7 +2768,7 @@
         <a:spcBef>
           <a:spcPts val="500"/>
         </a:spcBef>
-        <a:buFont typeface="Arial" panose="020B0604020202020204" pitchFamily="34" charset="0"/>
+        <a:buFont typeface="Arial" panose="02080604020202020204" pitchFamily="34" charset="0"/>
         <a:buChar char="•"/>
         <a:defRPr sz="1800" kern="1200">
           <a:solidFill>
@@ -2815,7 +2786,7 @@
         <a:spcBef>
           <a:spcPts val="500"/>
         </a:spcBef>
-        <a:buFont typeface="Arial" panose="020B0604020202020204" pitchFamily="34" charset="0"/>
+        <a:buFont typeface="Arial" panose="02080604020202020204" pitchFamily="34" charset="0"/>
         <a:buChar char="•"/>
         <a:defRPr sz="1800" kern="1200">
           <a:solidFill>
@@ -2833,7 +2804,7 @@
         <a:spcBef>
           <a:spcPts val="500"/>
         </a:spcBef>
-        <a:buFont typeface="Arial" panose="020B0604020202020204" pitchFamily="34" charset="0"/>
+        <a:buFont typeface="Arial" panose="02080604020202020204" pitchFamily="34" charset="0"/>
         <a:buChar char="•"/>
         <a:defRPr sz="1800" kern="1200">
           <a:solidFill>
@@ -2944,6 +2915,1323 @@
 </p:sldMaster>
 </file>
 
+<file path=ppt/slides/slide1.xml><?xml version="1.0" encoding="utf-8"?>
+<p:sld xmlns:a="http://schemas.openxmlformats.org/drawingml/2006/main" xmlns:r="http://schemas.openxmlformats.org/officeDocument/2006/relationships" xmlns:p="http://schemas.openxmlformats.org/presentationml/2006/main">
+  <p:cSld>
+    <p:spTree>
+      <p:nvGrpSpPr>
+        <p:cNvPr id="1" name=""/>
+        <p:cNvGrpSpPr/>
+        <p:nvPr/>
+      </p:nvGrpSpPr>
+      <p:grpSpPr/>
+      <p:sp>
+        <p:nvSpPr>
+          <p:cNvPr id="4" name="矩形 3"/>
+          <p:cNvSpPr/>
+          <p:nvPr/>
+        </p:nvSpPr>
+        <p:spPr>
+          <a:xfrm>
+            <a:off x="170815" y="206375"/>
+            <a:ext cx="2574290" cy="694690"/>
+          </a:xfrm>
+          <a:prstGeom prst="rect">
+            <a:avLst/>
+          </a:prstGeom>
+        </p:spPr>
+        <p:style>
+          <a:lnRef idx="1">
+            <a:schemeClr val="accent1"/>
+          </a:lnRef>
+          <a:fillRef idx="2">
+            <a:schemeClr val="accent1"/>
+          </a:fillRef>
+          <a:effectRef idx="1">
+            <a:schemeClr val="accent1"/>
+          </a:effectRef>
+          <a:fontRef idx="minor">
+            <a:schemeClr val="dk1"/>
+          </a:fontRef>
+        </p:style>
+        <p:txBody>
+          <a:bodyPr rtlCol="0" anchor="ctr"/>
+          <a:p>
+            <a:pPr algn="l"/>
+            <a:r>
+              <a:rPr lang="zh-CN" altLang="en-US" sz="1000"/>
+              <a:t>开启</a:t>
+            </a:r>
+            <a:r>
+              <a:rPr lang="en-US" altLang="zh-CN" sz="1000"/>
+              <a:t>Map</a:t>
+            </a:r>
+            <a:r>
+              <a:rPr lang="zh-CN" altLang="en-US" sz="1000"/>
+              <a:t>输出阶段压缩</a:t>
+            </a:r>
+            <a:endParaRPr lang="zh-CN" altLang="en-US" sz="1000"/>
+          </a:p>
+          <a:p>
+            <a:pPr algn="l"/>
+            <a:r>
+              <a:rPr lang="zh-CN" altLang="en-US" sz="1000"/>
+              <a:t>开启</a:t>
+            </a:r>
+            <a:r>
+              <a:rPr lang="en-US" altLang="zh-CN" sz="1000"/>
+              <a:t>Map</a:t>
+            </a:r>
+            <a:r>
+              <a:rPr lang="zh-CN" altLang="en-US" sz="1000"/>
+              <a:t>输出阶段压缩可以减少</a:t>
+            </a:r>
+            <a:r>
+              <a:rPr lang="en-US" altLang="zh-CN" sz="1000"/>
+              <a:t>job</a:t>
+            </a:r>
+            <a:r>
+              <a:rPr lang="zh-CN" altLang="en-US" sz="1000"/>
+              <a:t>中</a:t>
+            </a:r>
+            <a:r>
+              <a:rPr lang="en-US" altLang="zh-CN" sz="1000"/>
+              <a:t>map</a:t>
+            </a:r>
+            <a:r>
+              <a:rPr lang="zh-CN" altLang="en-US" sz="1000"/>
+              <a:t>和</a:t>
+            </a:r>
+            <a:r>
+              <a:rPr lang="en-US" altLang="zh-CN" sz="1000"/>
+              <a:t>Reduce task</a:t>
+            </a:r>
+            <a:r>
+              <a:rPr lang="zh-CN" altLang="en-US" sz="1000"/>
+              <a:t>之间数据传输量</a:t>
+            </a:r>
+            <a:endParaRPr lang="zh-CN" altLang="en-US" sz="1000"/>
+          </a:p>
+        </p:txBody>
+      </p:sp>
+      <p:sp>
+        <p:nvSpPr>
+          <p:cNvPr id="5" name="矩形 4"/>
+          <p:cNvSpPr/>
+          <p:nvPr/>
+        </p:nvSpPr>
+        <p:spPr>
+          <a:xfrm>
+            <a:off x="170815" y="1123950"/>
+            <a:ext cx="2574290" cy="856615"/>
+          </a:xfrm>
+          <a:prstGeom prst="rect">
+            <a:avLst/>
+          </a:prstGeom>
+        </p:spPr>
+        <p:style>
+          <a:lnRef idx="1">
+            <a:schemeClr val="accent1"/>
+          </a:lnRef>
+          <a:fillRef idx="2">
+            <a:schemeClr val="accent1"/>
+          </a:fillRef>
+          <a:effectRef idx="1">
+            <a:schemeClr val="accent1"/>
+          </a:effectRef>
+          <a:fontRef idx="minor">
+            <a:schemeClr val="dk1"/>
+          </a:fontRef>
+        </p:style>
+        <p:txBody>
+          <a:bodyPr rtlCol="0" anchor="ctr"/>
+          <a:p>
+            <a:pPr algn="l"/>
+            <a:r>
+              <a:rPr lang="en-US" sz="1000"/>
+              <a:t>TEXTFILE</a:t>
+            </a:r>
+            <a:r>
+              <a:rPr lang="zh-CN" altLang="en-US" sz="1000"/>
+              <a:t>和</a:t>
+            </a:r>
+            <a:r>
+              <a:rPr lang="en-US" altLang="zh-CN" sz="1000"/>
+              <a:t>SEQUENCEFILE</a:t>
+            </a:r>
+            <a:r>
+              <a:rPr lang="zh-CN" altLang="en-US" sz="1000"/>
+              <a:t>的存储格式是基于行存储的；</a:t>
+            </a:r>
+            <a:endParaRPr lang="zh-CN" altLang="en-US" sz="1000"/>
+          </a:p>
+          <a:p>
+            <a:pPr algn="l"/>
+            <a:r>
+              <a:rPr lang="en-US" altLang="zh-CN" sz="1000"/>
+              <a:t>ORC</a:t>
+            </a:r>
+            <a:r>
+              <a:rPr lang="zh-CN" altLang="en-US" sz="1000"/>
+              <a:t>和</a:t>
+            </a:r>
+            <a:r>
+              <a:rPr lang="en-US" altLang="zh-CN" sz="1000"/>
+              <a:t>PARQUET</a:t>
+            </a:r>
+            <a:r>
+              <a:rPr lang="zh-CN" altLang="en-US" sz="1000"/>
+              <a:t>是基于列式存储的</a:t>
+            </a:r>
+            <a:r>
+              <a:rPr lang="en-US" altLang="zh-CN" sz="1000"/>
+              <a:t>.</a:t>
+            </a:r>
+            <a:endParaRPr lang="en-US" altLang="zh-CN" sz="1000"/>
+          </a:p>
+          <a:p>
+            <a:pPr algn="l"/>
+            <a:r>
+              <a:rPr lang="zh-CN" altLang="en-US" sz="1000"/>
+              <a:t>可以根据两者不同的特点使用不同的存储方式</a:t>
+            </a:r>
+            <a:endParaRPr lang="zh-CN" altLang="en-US" sz="1000"/>
+          </a:p>
+        </p:txBody>
+      </p:sp>
+      <p:sp>
+        <p:nvSpPr>
+          <p:cNvPr id="6" name="矩形 5"/>
+          <p:cNvSpPr/>
+          <p:nvPr/>
+        </p:nvSpPr>
+        <p:spPr>
+          <a:xfrm>
+            <a:off x="170815" y="2229485"/>
+            <a:ext cx="2574290" cy="1191895"/>
+          </a:xfrm>
+          <a:prstGeom prst="rect">
+            <a:avLst/>
+          </a:prstGeom>
+        </p:spPr>
+        <p:style>
+          <a:lnRef idx="1">
+            <a:schemeClr val="accent1"/>
+          </a:lnRef>
+          <a:fillRef idx="2">
+            <a:schemeClr val="accent1"/>
+          </a:fillRef>
+          <a:effectRef idx="1">
+            <a:schemeClr val="accent1"/>
+          </a:effectRef>
+          <a:fontRef idx="minor">
+            <a:schemeClr val="dk1"/>
+          </a:fontRef>
+        </p:style>
+        <p:txBody>
+          <a:bodyPr rtlCol="0" anchor="ctr"/>
+          <a:p>
+            <a:pPr algn="l"/>
+            <a:r>
+              <a:rPr lang="zh-CN" altLang="en-US" sz="1000"/>
+              <a:t>避免某些操作涉及</a:t>
+            </a:r>
+            <a:r>
+              <a:rPr lang="en-US" altLang="zh-CN" sz="1000"/>
+              <a:t>mapreduce</a:t>
+            </a:r>
+            <a:r>
+              <a:rPr lang="zh-CN" altLang="en-US" sz="1000"/>
+              <a:t>：</a:t>
+            </a:r>
+            <a:endParaRPr lang="zh-CN" altLang="en-US" sz="1000"/>
+          </a:p>
+          <a:p>
+            <a:pPr algn="l"/>
+            <a:r>
+              <a:rPr lang="zh-CN" altLang="en-US" sz="1000"/>
+              <a:t>如SELECT * FROM employees</a:t>
+            </a:r>
+            <a:endParaRPr lang="zh-CN" altLang="en-US" sz="1000"/>
+          </a:p>
+          <a:p>
+            <a:pPr algn="l"/>
+            <a:r>
+              <a:rPr lang="zh-CN" altLang="en-US" sz="1000"/>
+              <a:t>在hive-default.xml.template文件中hive.fetch.task.conversion默认是more</a:t>
+            </a:r>
+            <a:endParaRPr lang="zh-CN" altLang="en-US" sz="1000"/>
+          </a:p>
+          <a:p>
+            <a:pPr algn="l"/>
+            <a:r>
+              <a:rPr sz="1000"/>
+              <a:t>该属性修改为more以后，在全局查找、字段查找、limit查找等都不走mapreduce</a:t>
+            </a:r>
+            <a:endParaRPr sz="1000"/>
+          </a:p>
+        </p:txBody>
+      </p:sp>
+      <p:sp>
+        <p:nvSpPr>
+          <p:cNvPr id="7" name="矩形 6"/>
+          <p:cNvSpPr/>
+          <p:nvPr/>
+        </p:nvSpPr>
+        <p:spPr>
+          <a:xfrm>
+            <a:off x="170815" y="3600450"/>
+            <a:ext cx="2574290" cy="1191895"/>
+          </a:xfrm>
+          <a:prstGeom prst="rect">
+            <a:avLst/>
+          </a:prstGeom>
+        </p:spPr>
+        <p:style>
+          <a:lnRef idx="1">
+            <a:schemeClr val="accent1"/>
+          </a:lnRef>
+          <a:fillRef idx="2">
+            <a:schemeClr val="accent1"/>
+          </a:fillRef>
+          <a:effectRef idx="1">
+            <a:schemeClr val="accent1"/>
+          </a:effectRef>
+          <a:fontRef idx="minor">
+            <a:schemeClr val="dk1"/>
+          </a:fontRef>
+        </p:style>
+        <p:txBody>
+          <a:bodyPr rtlCol="0" anchor="ctr"/>
+          <a:p>
+            <a:pPr algn="l"/>
+            <a:r>
+              <a:rPr sz="1000"/>
+              <a:t>对于大多数这种情况，Hive可以通过本地模式在单台机器上处理所有的任务。对于小数据集，执行时间可以明显被缩短</a:t>
+            </a:r>
+            <a:r>
+              <a:rPr lang="en-US" sz="1000"/>
+              <a:t>.</a:t>
+            </a:r>
+            <a:endParaRPr lang="en-US" sz="1000"/>
+          </a:p>
+          <a:p>
+            <a:pPr algn="l"/>
+            <a:r>
+              <a:rPr lang="en-US" sz="1000"/>
+              <a:t>用户可以通过设置hive.exec.mode.local.auto的值为true</a:t>
+            </a:r>
+            <a:endParaRPr lang="en-US" sz="1000"/>
+          </a:p>
+        </p:txBody>
+      </p:sp>
+    </p:spTree>
+  </p:cSld>
+  <p:clrMapOvr>
+    <a:masterClrMapping/>
+  </p:clrMapOvr>
+</p:sld>
+</file>
+
+<file path=ppt/slides/slide10.xml><?xml version="1.0" encoding="utf-8"?>
+<p:sld xmlns:a="http://schemas.openxmlformats.org/drawingml/2006/main" xmlns:r="http://schemas.openxmlformats.org/officeDocument/2006/relationships" xmlns:p="http://schemas.openxmlformats.org/presentationml/2006/main">
+  <p:cSld>
+    <p:spTree>
+      <p:nvGrpSpPr>
+        <p:cNvPr id="1" name=""/>
+        <p:cNvGrpSpPr/>
+        <p:nvPr/>
+      </p:nvGrpSpPr>
+      <p:grpSpPr/>
+    </p:spTree>
+  </p:cSld>
+  <p:clrMapOvr>
+    <a:masterClrMapping/>
+  </p:clrMapOvr>
+</p:sld>
+</file>
+
+<file path=ppt/slides/slide11.xml><?xml version="1.0" encoding="utf-8"?>
+<p:sld xmlns:a="http://schemas.openxmlformats.org/drawingml/2006/main" xmlns:r="http://schemas.openxmlformats.org/officeDocument/2006/relationships" xmlns:p="http://schemas.openxmlformats.org/presentationml/2006/main">
+  <p:cSld>
+    <p:spTree>
+      <p:nvGrpSpPr>
+        <p:cNvPr id="1" name=""/>
+        <p:cNvGrpSpPr/>
+        <p:nvPr/>
+      </p:nvGrpSpPr>
+      <p:grpSpPr/>
+    </p:spTree>
+  </p:cSld>
+  <p:clrMapOvr>
+    <a:masterClrMapping/>
+  </p:clrMapOvr>
+</p:sld>
+</file>
+
+<file path=ppt/slides/slide12.xml><?xml version="1.0" encoding="utf-8"?>
+<p:sld xmlns:a="http://schemas.openxmlformats.org/drawingml/2006/main" xmlns:r="http://schemas.openxmlformats.org/officeDocument/2006/relationships" xmlns:p="http://schemas.openxmlformats.org/presentationml/2006/main">
+  <p:cSld>
+    <p:spTree>
+      <p:nvGrpSpPr>
+        <p:cNvPr id="1" name=""/>
+        <p:cNvGrpSpPr/>
+        <p:nvPr/>
+      </p:nvGrpSpPr>
+      <p:grpSpPr/>
+    </p:spTree>
+  </p:cSld>
+  <p:clrMapOvr>
+    <a:masterClrMapping/>
+  </p:clrMapOvr>
+</p:sld>
+</file>
+
+<file path=ppt/slides/slide2.xml><?xml version="1.0" encoding="utf-8"?>
+<p:sld xmlns:a="http://schemas.openxmlformats.org/drawingml/2006/main" xmlns:r="http://schemas.openxmlformats.org/officeDocument/2006/relationships" xmlns:p="http://schemas.openxmlformats.org/presentationml/2006/main">
+  <p:cSld>
+    <p:spTree>
+      <p:nvGrpSpPr>
+        <p:cNvPr id="1" name=""/>
+        <p:cNvGrpSpPr/>
+        <p:nvPr/>
+      </p:nvGrpSpPr>
+      <p:grpSpPr/>
+      <p:sp>
+        <p:nvSpPr>
+          <p:cNvPr id="2" name="矩形 1"/>
+          <p:cNvSpPr/>
+          <p:nvPr/>
+        </p:nvSpPr>
+        <p:spPr>
+          <a:xfrm>
+            <a:off x="276225" y="259715"/>
+            <a:ext cx="1910080" cy="395605"/>
+          </a:xfrm>
+          <a:prstGeom prst="rect">
+            <a:avLst/>
+          </a:prstGeom>
+        </p:spPr>
+        <p:style>
+          <a:lnRef idx="3">
+            <a:schemeClr val="lt1"/>
+          </a:lnRef>
+          <a:fillRef idx="1">
+            <a:schemeClr val="accent6"/>
+          </a:fillRef>
+          <a:effectRef idx="1">
+            <a:schemeClr val="accent6"/>
+          </a:effectRef>
+          <a:fontRef idx="minor">
+            <a:schemeClr val="lt1"/>
+          </a:fontRef>
+        </p:style>
+        <p:txBody>
+          <a:bodyPr rtlCol="0" anchor="ctr"/>
+          <a:p>
+            <a:pPr algn="ctr"/>
+            <a:r>
+              <a:rPr lang="en-US" altLang="zh-CN" sz="1000"/>
+              <a:t>Hive</a:t>
+            </a:r>
+            <a:r>
+              <a:rPr lang="zh-CN" altLang="en-US" sz="1000"/>
+              <a:t>的一些优化策略</a:t>
+            </a:r>
+            <a:endParaRPr lang="zh-CN" altLang="en-US" sz="1000"/>
+          </a:p>
+        </p:txBody>
+      </p:sp>
+      <p:sp>
+        <p:nvSpPr>
+          <p:cNvPr id="3" name="矩形 2"/>
+          <p:cNvSpPr/>
+          <p:nvPr/>
+        </p:nvSpPr>
+        <p:spPr>
+          <a:xfrm>
+            <a:off x="285115" y="789940"/>
+            <a:ext cx="3634740" cy="833120"/>
+          </a:xfrm>
+          <a:prstGeom prst="rect">
+            <a:avLst/>
+          </a:prstGeom>
+        </p:spPr>
+        <p:style>
+          <a:lnRef idx="2">
+            <a:schemeClr val="accent1">
+              <a:shade val="50000"/>
+            </a:schemeClr>
+          </a:lnRef>
+          <a:fillRef idx="1">
+            <a:schemeClr val="accent1"/>
+          </a:fillRef>
+          <a:effectRef idx="0">
+            <a:schemeClr val="accent1"/>
+          </a:effectRef>
+          <a:fontRef idx="minor">
+            <a:schemeClr val="lt1"/>
+          </a:fontRef>
+        </p:style>
+        <p:txBody>
+          <a:bodyPr rtlCol="0" anchor="ctr"/>
+          <a:p>
+            <a:pPr algn="l"/>
+            <a:r>
+              <a:rPr lang="en-US" altLang="zh-CN" sz="1000"/>
+              <a:t>1</a:t>
+            </a:r>
+            <a:r>
+              <a:rPr lang="zh-CN" altLang="en-US" sz="1000"/>
+              <a:t>、</a:t>
+            </a:r>
+            <a:r>
+              <a:rPr lang="zh-CN" altLang="en-US" sz="1000"/>
+              <a:t>对于某些不需要使用</a:t>
+            </a:r>
+            <a:r>
+              <a:rPr lang="en-US" altLang="zh-CN" sz="1000"/>
+              <a:t>MapReduce</a:t>
+            </a:r>
+            <a:r>
+              <a:rPr lang="zh-CN" altLang="en-US" sz="1000"/>
+              <a:t>计算的查询（如</a:t>
+            </a:r>
+            <a:r>
+              <a:rPr lang="en-US" altLang="zh-CN" sz="1000"/>
+              <a:t>SELECT * FROM emp;</a:t>
+            </a:r>
+            <a:r>
+              <a:rPr lang="zh-CN" altLang="en-US" sz="1000"/>
+              <a:t>），可以将</a:t>
+            </a:r>
+            <a:r>
+              <a:rPr lang="en-US" altLang="zh-CN" sz="1000"/>
+              <a:t>hive-default-site.xml</a:t>
+            </a:r>
+            <a:r>
+              <a:rPr lang="zh-CN" altLang="en-US" sz="1000"/>
+              <a:t>中的</a:t>
+            </a:r>
+            <a:r>
+              <a:rPr lang="en-US" altLang="zh-CN" sz="1000"/>
+              <a:t>hive.fetch.task.conversion</a:t>
+            </a:r>
+            <a:r>
+              <a:rPr lang="zh-CN" altLang="en-US" sz="1000"/>
+              <a:t>属性设置为</a:t>
+            </a:r>
+            <a:r>
+              <a:rPr lang="en-US" altLang="zh-CN" sz="1000"/>
+              <a:t>more</a:t>
+            </a:r>
+            <a:endParaRPr lang="en-US" altLang="zh-CN" sz="1000"/>
+          </a:p>
+        </p:txBody>
+      </p:sp>
+      <p:sp>
+        <p:nvSpPr>
+          <p:cNvPr id="4" name="矩形 3"/>
+          <p:cNvSpPr/>
+          <p:nvPr/>
+        </p:nvSpPr>
+        <p:spPr>
+          <a:xfrm>
+            <a:off x="276225" y="1884680"/>
+            <a:ext cx="3634740" cy="833120"/>
+          </a:xfrm>
+          <a:prstGeom prst="rect">
+            <a:avLst/>
+          </a:prstGeom>
+        </p:spPr>
+        <p:style>
+          <a:lnRef idx="2">
+            <a:schemeClr val="accent1">
+              <a:shade val="50000"/>
+            </a:schemeClr>
+          </a:lnRef>
+          <a:fillRef idx="1">
+            <a:schemeClr val="accent1"/>
+          </a:fillRef>
+          <a:effectRef idx="0">
+            <a:schemeClr val="accent1"/>
+          </a:effectRef>
+          <a:fontRef idx="minor">
+            <a:schemeClr val="lt1"/>
+          </a:fontRef>
+        </p:style>
+        <p:txBody>
+          <a:bodyPr rtlCol="0" anchor="ctr"/>
+          <a:p>
+            <a:pPr algn="l"/>
+            <a:r>
+              <a:rPr lang="en-US" altLang="zh-CN" sz="1000"/>
+              <a:t>2</a:t>
+            </a:r>
+            <a:r>
+              <a:rPr lang="zh-CN" altLang="en-US" sz="1000"/>
+              <a:t>、本地模式</a:t>
+            </a:r>
+            <a:endParaRPr lang="zh-CN" altLang="en-US" sz="1000"/>
+          </a:p>
+          <a:p>
+            <a:pPr algn="l"/>
+            <a:r>
+              <a:rPr lang="zh-CN" altLang="en-US" sz="1000"/>
+              <a:t>如果</a:t>
+            </a:r>
+            <a:r>
+              <a:rPr lang="en-US" altLang="zh-CN" sz="1000"/>
+              <a:t>Hive</a:t>
+            </a:r>
+            <a:r>
+              <a:rPr lang="zh-CN" altLang="en-US" sz="1000"/>
+              <a:t>有时处理的数据量较小，可以通过本地模式在单台机器上处理所有任务，可以设置</a:t>
+            </a:r>
+            <a:r>
+              <a:rPr lang="en-US" altLang="zh-CN" sz="1000"/>
+              <a:t>hive.exec.mode.local.auto=true</a:t>
+            </a:r>
+            <a:r>
+              <a:rPr lang="zh-CN" altLang="en-US" sz="1000"/>
+              <a:t>，从而让</a:t>
+            </a:r>
+            <a:r>
+              <a:rPr lang="en-US" altLang="zh-CN" sz="1000"/>
+              <a:t>Hive</a:t>
+            </a:r>
+            <a:r>
+              <a:rPr lang="zh-CN" altLang="en-US" sz="1000"/>
+              <a:t>在适当的时候使用这个优化</a:t>
+            </a:r>
+            <a:endParaRPr lang="zh-CN" altLang="en-US" sz="1000"/>
+          </a:p>
+        </p:txBody>
+      </p:sp>
+      <p:sp>
+        <p:nvSpPr>
+          <p:cNvPr id="5" name="矩形 4"/>
+          <p:cNvSpPr/>
+          <p:nvPr/>
+        </p:nvSpPr>
+        <p:spPr>
+          <a:xfrm>
+            <a:off x="276225" y="3012440"/>
+            <a:ext cx="3634740" cy="833120"/>
+          </a:xfrm>
+          <a:prstGeom prst="rect">
+            <a:avLst/>
+          </a:prstGeom>
+        </p:spPr>
+        <p:style>
+          <a:lnRef idx="2">
+            <a:schemeClr val="accent1">
+              <a:shade val="50000"/>
+            </a:schemeClr>
+          </a:lnRef>
+          <a:fillRef idx="1">
+            <a:schemeClr val="accent1"/>
+          </a:fillRef>
+          <a:effectRef idx="0">
+            <a:schemeClr val="accent1"/>
+          </a:effectRef>
+          <a:fontRef idx="minor">
+            <a:schemeClr val="lt1"/>
+          </a:fontRef>
+        </p:style>
+        <p:txBody>
+          <a:bodyPr rtlCol="0" anchor="ctr"/>
+          <a:p>
+            <a:pPr algn="l"/>
+            <a:r>
+              <a:rPr lang="en-US" altLang="zh-CN" sz="1000"/>
+              <a:t>3</a:t>
+            </a:r>
+            <a:r>
+              <a:rPr lang="zh-CN" altLang="en-US" sz="1000"/>
+              <a:t>、小表 </a:t>
+            </a:r>
+            <a:r>
+              <a:rPr lang="en-US" altLang="zh-CN" sz="1000"/>
+              <a:t>join</a:t>
+            </a:r>
+            <a:r>
+              <a:rPr lang="zh-CN" altLang="en-US" sz="1000"/>
+              <a:t>大表</a:t>
+            </a:r>
+            <a:endParaRPr lang="zh-CN" altLang="en-US" sz="1000"/>
+          </a:p>
+          <a:p>
+            <a:pPr algn="l"/>
+            <a:r>
+              <a:rPr lang="zh-CN" altLang="en-US" sz="1000"/>
+              <a:t>将</a:t>
+            </a:r>
+            <a:r>
+              <a:rPr lang="en-US" altLang="zh-CN" sz="1000"/>
+              <a:t>key</a:t>
+            </a:r>
+            <a:r>
+              <a:rPr lang="zh-CN" altLang="en-US" sz="1000"/>
+              <a:t>相对分散、且数据量较小的表放在</a:t>
+            </a:r>
+            <a:r>
+              <a:rPr lang="en-US" altLang="zh-CN" sz="1000"/>
+              <a:t>join</a:t>
+            </a:r>
+            <a:r>
+              <a:rPr lang="zh-CN" altLang="en-US" sz="1000"/>
+              <a:t>的左边，这样可以有效减少内存溢出的几率</a:t>
+            </a:r>
+            <a:r>
+              <a:rPr lang="en-US" altLang="zh-CN" sz="1000"/>
+              <a:t>.</a:t>
+            </a:r>
+            <a:r>
+              <a:rPr lang="zh-CN" altLang="en-US" sz="1000"/>
+              <a:t>可以使用</a:t>
+            </a:r>
+            <a:r>
+              <a:rPr lang="en-US" altLang="zh-CN" sz="1000"/>
+              <a:t>map join</a:t>
+            </a:r>
+            <a:r>
+              <a:rPr lang="zh-CN" altLang="en-US" sz="1000"/>
+              <a:t>让小的表先进入内存，在</a:t>
+            </a:r>
+            <a:r>
+              <a:rPr lang="en-US" altLang="zh-CN" sz="1000"/>
+              <a:t>map</a:t>
+            </a:r>
+            <a:r>
+              <a:rPr lang="zh-CN" altLang="en-US" sz="1000"/>
+              <a:t>端完成</a:t>
+            </a:r>
+            <a:r>
+              <a:rPr lang="en-US" altLang="zh-CN" sz="1000"/>
+              <a:t>reduce</a:t>
+            </a:r>
+            <a:endParaRPr lang="en-US" altLang="zh-CN" sz="1000"/>
+          </a:p>
+        </p:txBody>
+      </p:sp>
+      <p:sp>
+        <p:nvSpPr>
+          <p:cNvPr id="6" name="矩形 5"/>
+          <p:cNvSpPr/>
+          <p:nvPr/>
+        </p:nvSpPr>
+        <p:spPr>
+          <a:xfrm>
+            <a:off x="285115" y="4006215"/>
+            <a:ext cx="3634740" cy="1059180"/>
+          </a:xfrm>
+          <a:prstGeom prst="rect">
+            <a:avLst/>
+          </a:prstGeom>
+        </p:spPr>
+        <p:style>
+          <a:lnRef idx="2">
+            <a:schemeClr val="accent1">
+              <a:shade val="50000"/>
+            </a:schemeClr>
+          </a:lnRef>
+          <a:fillRef idx="1">
+            <a:schemeClr val="accent1"/>
+          </a:fillRef>
+          <a:effectRef idx="0">
+            <a:schemeClr val="accent1"/>
+          </a:effectRef>
+          <a:fontRef idx="minor">
+            <a:schemeClr val="lt1"/>
+          </a:fontRef>
+        </p:style>
+        <p:txBody>
+          <a:bodyPr rtlCol="0" anchor="ctr"/>
+          <a:p>
+            <a:pPr algn="l"/>
+            <a:r>
+              <a:rPr lang="en-US" sz="1000"/>
+              <a:t>4</a:t>
+            </a:r>
+            <a:r>
+              <a:rPr lang="zh-CN" altLang="en-US" sz="1000"/>
+              <a:t>、大表 </a:t>
+            </a:r>
+            <a:r>
+              <a:rPr lang="en-US" altLang="zh-CN" sz="1000"/>
+              <a:t>join</a:t>
+            </a:r>
+            <a:r>
+              <a:rPr lang="zh-CN" altLang="en-US" sz="1000"/>
+              <a:t>大表</a:t>
+            </a:r>
+            <a:endParaRPr lang="zh-CN" altLang="en-US" sz="1000"/>
+          </a:p>
+          <a:p>
+            <a:pPr algn="l"/>
+            <a:r>
+              <a:rPr lang="zh-CN" altLang="en-US" sz="1000"/>
+              <a:t>如果某些</a:t>
+            </a:r>
+            <a:r>
+              <a:rPr lang="en-US" altLang="zh-CN" sz="1000"/>
+              <a:t>key</a:t>
+            </a:r>
+            <a:r>
+              <a:rPr lang="zh-CN" altLang="en-US" sz="1000"/>
+              <a:t>对应的数据太多，而这些</a:t>
+            </a:r>
+            <a:r>
+              <a:rPr lang="en-US" altLang="zh-CN" sz="1000"/>
+              <a:t>key</a:t>
+            </a:r>
+            <a:r>
+              <a:rPr lang="zh-CN" altLang="en-US" sz="1000"/>
+              <a:t>对应的数据是异常数据，相同的</a:t>
+            </a:r>
+            <a:r>
+              <a:rPr lang="en-US" altLang="zh-CN" sz="1000"/>
+              <a:t>key</a:t>
+            </a:r>
+            <a:r>
+              <a:rPr lang="zh-CN" altLang="en-US" sz="1000"/>
+              <a:t>对应的数据会发送到相同的</a:t>
+            </a:r>
+            <a:r>
+              <a:rPr lang="en-US" altLang="zh-CN" sz="1000"/>
+              <a:t>reduce</a:t>
+            </a:r>
+            <a:r>
+              <a:rPr lang="zh-CN" altLang="en-US" sz="1000"/>
+              <a:t>上，这样会导致查询效率的下降，可以过滤掉这些异常的</a:t>
+            </a:r>
+            <a:r>
+              <a:rPr lang="en-US" altLang="zh-CN" sz="1000"/>
+              <a:t>key.</a:t>
+            </a:r>
+            <a:endParaRPr lang="en-US" altLang="zh-CN" sz="1000"/>
+          </a:p>
+          <a:p>
+            <a:pPr algn="l"/>
+            <a:r>
+              <a:rPr lang="zh-CN" altLang="en-US" sz="1000"/>
+              <a:t>如果某些</a:t>
+            </a:r>
+            <a:r>
+              <a:rPr lang="en-US" altLang="zh-CN" sz="1000"/>
+              <a:t>key</a:t>
+            </a:r>
+            <a:r>
+              <a:rPr lang="zh-CN" altLang="en-US" sz="1000"/>
+              <a:t>对应的数据为空，可以将</a:t>
+            </a:r>
+            <a:r>
+              <a:rPr lang="en-US" altLang="zh-CN" sz="1000"/>
+              <a:t>key</a:t>
+            </a:r>
+            <a:r>
+              <a:rPr lang="zh-CN" altLang="en-US" sz="1000"/>
+              <a:t>为空的字段随机设置一个值，使得数据随机均匀地分到不同的</a:t>
+            </a:r>
+            <a:r>
+              <a:rPr lang="en-US" altLang="zh-CN" sz="1000"/>
+              <a:t>reducer</a:t>
+            </a:r>
+            <a:r>
+              <a:rPr lang="zh-CN" altLang="en-US" sz="1000"/>
+              <a:t>上</a:t>
+            </a:r>
+            <a:endParaRPr lang="zh-CN" altLang="en-US" sz="1000"/>
+          </a:p>
+        </p:txBody>
+      </p:sp>
+      <p:sp>
+        <p:nvSpPr>
+          <p:cNvPr id="7" name="矩形 6"/>
+          <p:cNvSpPr/>
+          <p:nvPr/>
+        </p:nvSpPr>
+        <p:spPr>
+          <a:xfrm>
+            <a:off x="285115" y="5290185"/>
+            <a:ext cx="3634740" cy="681990"/>
+          </a:xfrm>
+          <a:prstGeom prst="rect">
+            <a:avLst/>
+          </a:prstGeom>
+        </p:spPr>
+        <p:style>
+          <a:lnRef idx="2">
+            <a:schemeClr val="accent1">
+              <a:shade val="50000"/>
+            </a:schemeClr>
+          </a:lnRef>
+          <a:fillRef idx="1">
+            <a:schemeClr val="accent1"/>
+          </a:fillRef>
+          <a:effectRef idx="0">
+            <a:schemeClr val="accent1"/>
+          </a:effectRef>
+          <a:fontRef idx="minor">
+            <a:schemeClr val="lt1"/>
+          </a:fontRef>
+        </p:style>
+        <p:txBody>
+          <a:bodyPr rtlCol="0" anchor="ctr"/>
+          <a:p>
+            <a:pPr algn="l"/>
+            <a:r>
+              <a:rPr lang="en-US" sz="1000"/>
+              <a:t>5</a:t>
+            </a:r>
+            <a:r>
+              <a:rPr lang="zh-CN" altLang="en-US" sz="1000"/>
+              <a:t>、使用</a:t>
+            </a:r>
+            <a:r>
+              <a:rPr lang="en-US" altLang="zh-CN" sz="1000"/>
+              <a:t>MapJoin</a:t>
+            </a:r>
+            <a:r>
+              <a:rPr lang="zh-CN" altLang="en-US" sz="1000"/>
+              <a:t>把小表全部加载到内存，在</a:t>
+            </a:r>
+            <a:r>
+              <a:rPr lang="en-US" altLang="zh-CN" sz="1000"/>
+              <a:t>map</a:t>
+            </a:r>
+            <a:r>
+              <a:rPr lang="zh-CN" altLang="en-US" sz="1000"/>
+              <a:t>端进行</a:t>
+            </a:r>
+            <a:r>
+              <a:rPr lang="en-US" altLang="zh-CN" sz="1000"/>
+              <a:t>join</a:t>
+            </a:r>
+            <a:r>
+              <a:rPr lang="zh-CN" altLang="en-US" sz="1000"/>
+              <a:t>，避免</a:t>
+            </a:r>
+            <a:r>
+              <a:rPr lang="en-US" altLang="zh-CN" sz="1000"/>
+              <a:t>reducer</a:t>
+            </a:r>
+            <a:r>
+              <a:rPr lang="zh-CN" altLang="en-US" sz="1000"/>
+              <a:t>处理</a:t>
+            </a:r>
+            <a:r>
+              <a:rPr lang="en-US" altLang="zh-CN" sz="1000"/>
+              <a:t>.</a:t>
+            </a:r>
+            <a:endParaRPr lang="en-US" altLang="zh-CN" sz="1000"/>
+          </a:p>
+          <a:p>
+            <a:pPr algn="l"/>
+            <a:r>
+              <a:rPr lang="en-US" altLang="zh-CN" sz="1000"/>
+              <a:t>MapJoin</a:t>
+            </a:r>
+            <a:r>
+              <a:rPr lang="zh-CN" altLang="en-US" sz="1000"/>
+              <a:t>的工作机制？</a:t>
+            </a:r>
+            <a:endParaRPr lang="zh-CN" altLang="en-US" sz="1000"/>
+          </a:p>
+        </p:txBody>
+      </p:sp>
+      <p:sp>
+        <p:nvSpPr>
+          <p:cNvPr id="8" name="矩形 7"/>
+          <p:cNvSpPr/>
+          <p:nvPr/>
+        </p:nvSpPr>
+        <p:spPr>
+          <a:xfrm>
+            <a:off x="4627880" y="789940"/>
+            <a:ext cx="4728845" cy="1018540"/>
+          </a:xfrm>
+          <a:prstGeom prst="rect">
+            <a:avLst/>
+          </a:prstGeom>
+        </p:spPr>
+        <p:style>
+          <a:lnRef idx="2">
+            <a:schemeClr val="accent1">
+              <a:shade val="50000"/>
+            </a:schemeClr>
+          </a:lnRef>
+          <a:fillRef idx="1">
+            <a:schemeClr val="accent1"/>
+          </a:fillRef>
+          <a:effectRef idx="0">
+            <a:schemeClr val="accent1"/>
+          </a:effectRef>
+          <a:fontRef idx="minor">
+            <a:schemeClr val="lt1"/>
+          </a:fontRef>
+        </p:style>
+        <p:txBody>
+          <a:bodyPr rtlCol="0" anchor="ctr"/>
+          <a:p>
+            <a:pPr algn="l"/>
+            <a:r>
+              <a:rPr lang="en-US" sz="1000"/>
+              <a:t>6</a:t>
+            </a:r>
+            <a:r>
+              <a:rPr lang="zh-CN" altLang="en-US" sz="1000"/>
+              <a:t>、数据倾斜</a:t>
+            </a:r>
+            <a:endParaRPr lang="zh-CN" altLang="en-US" sz="1000"/>
+          </a:p>
+          <a:p>
+            <a:pPr algn="l"/>
+            <a:r>
+              <a:rPr lang="en-US" altLang="zh-CN" sz="1000"/>
+              <a:t>6.1</a:t>
+            </a:r>
+            <a:r>
+              <a:rPr lang="zh-CN" altLang="en-US" sz="1000"/>
+              <a:t>：合理设置</a:t>
+            </a:r>
+            <a:r>
+              <a:rPr lang="en-US" altLang="zh-CN" sz="1000"/>
+              <a:t>Map</a:t>
+            </a:r>
+            <a:r>
+              <a:rPr lang="zh-CN" altLang="en-US" sz="1000"/>
+              <a:t>的数量（考虑的因素是输入的文件个数和输入文件的大小）</a:t>
+            </a:r>
+            <a:endParaRPr lang="zh-CN" altLang="en-US" sz="1000"/>
+          </a:p>
+          <a:p>
+            <a:pPr algn="l"/>
+            <a:r>
+              <a:rPr lang="en-US" altLang="zh-CN" sz="1000"/>
+              <a:t>6.2</a:t>
+            </a:r>
+            <a:r>
+              <a:rPr lang="zh-CN" altLang="en-US" sz="1000"/>
+              <a:t>：小文件进行合并</a:t>
+            </a:r>
+            <a:endParaRPr lang="zh-CN" altLang="en-US" sz="1000"/>
+          </a:p>
+          <a:p>
+            <a:pPr algn="l"/>
+            <a:r>
+              <a:rPr lang="en-US" altLang="zh-CN" sz="1000"/>
+              <a:t>6.3</a:t>
+            </a:r>
+            <a:r>
+              <a:rPr lang="zh-CN" altLang="en-US" sz="1000"/>
+              <a:t>：复杂文件增加</a:t>
+            </a:r>
+            <a:r>
+              <a:rPr lang="en-US" altLang="zh-CN" sz="1000"/>
+              <a:t>Map</a:t>
+            </a:r>
+            <a:r>
+              <a:rPr lang="zh-CN" altLang="en-US" sz="1000"/>
+              <a:t>的个数</a:t>
+            </a:r>
+            <a:endParaRPr lang="zh-CN" altLang="en-US" sz="1000"/>
+          </a:p>
+          <a:p>
+            <a:pPr algn="l"/>
+            <a:r>
+              <a:rPr lang="en-US" altLang="zh-CN" sz="1000"/>
+              <a:t>6.4</a:t>
+            </a:r>
+            <a:r>
+              <a:rPr lang="zh-CN" altLang="en-US" sz="1000"/>
+              <a:t>：合理设置</a:t>
+            </a:r>
+            <a:r>
+              <a:rPr lang="en-US" altLang="zh-CN" sz="1000"/>
+              <a:t>reduce</a:t>
+            </a:r>
+            <a:r>
+              <a:rPr lang="zh-CN" altLang="en-US" sz="1000"/>
+              <a:t>个数</a:t>
+            </a:r>
+            <a:endParaRPr lang="zh-CN" altLang="en-US" sz="1000"/>
+          </a:p>
+        </p:txBody>
+      </p:sp>
+      <p:sp>
+        <p:nvSpPr>
+          <p:cNvPr id="9" name="矩形 8"/>
+          <p:cNvSpPr/>
+          <p:nvPr/>
+        </p:nvSpPr>
+        <p:spPr>
+          <a:xfrm>
+            <a:off x="4627880" y="1969770"/>
+            <a:ext cx="4729480" cy="833120"/>
+          </a:xfrm>
+          <a:prstGeom prst="rect">
+            <a:avLst/>
+          </a:prstGeom>
+        </p:spPr>
+        <p:style>
+          <a:lnRef idx="2">
+            <a:schemeClr val="accent1">
+              <a:shade val="50000"/>
+            </a:schemeClr>
+          </a:lnRef>
+          <a:fillRef idx="1">
+            <a:schemeClr val="accent1"/>
+          </a:fillRef>
+          <a:effectRef idx="0">
+            <a:schemeClr val="accent1"/>
+          </a:effectRef>
+          <a:fontRef idx="minor">
+            <a:schemeClr val="lt1"/>
+          </a:fontRef>
+        </p:style>
+        <p:txBody>
+          <a:bodyPr rtlCol="0" anchor="ctr"/>
+          <a:p>
+            <a:pPr algn="l"/>
+            <a:r>
+              <a:rPr lang="en-US" sz="1000"/>
+              <a:t>7</a:t>
+            </a:r>
+            <a:r>
+              <a:rPr lang="zh-CN" altLang="en-US" sz="1000"/>
+              <a:t>、并行计算</a:t>
+            </a:r>
+            <a:endParaRPr lang="zh-CN" altLang="en-US" sz="1000"/>
+          </a:p>
+          <a:p>
+            <a:pPr algn="l"/>
+            <a:r>
+              <a:rPr lang="zh-CN" altLang="en-US" sz="1000"/>
+              <a:t>默认情况下，</a:t>
+            </a:r>
+            <a:r>
+              <a:rPr lang="en-US" altLang="zh-CN" sz="1000"/>
+              <a:t>Hive</a:t>
+            </a:r>
+            <a:r>
+              <a:rPr lang="zh-CN" altLang="en-US" sz="1000"/>
+              <a:t>只会执行一个阶段，而对于那些非互相依赖的的阶段可以使用并行执行，使得整个</a:t>
+            </a:r>
+            <a:r>
+              <a:rPr lang="en-US" altLang="zh-CN" sz="1000"/>
+              <a:t>job</a:t>
+            </a:r>
+            <a:r>
+              <a:rPr lang="zh-CN" altLang="en-US" sz="1000"/>
+              <a:t>的执行时间缩短</a:t>
+            </a:r>
+            <a:endParaRPr lang="zh-CN" altLang="en-US" sz="1000"/>
+          </a:p>
+        </p:txBody>
+      </p:sp>
+      <p:sp>
+        <p:nvSpPr>
+          <p:cNvPr id="10" name="矩形 9"/>
+          <p:cNvSpPr/>
+          <p:nvPr/>
+        </p:nvSpPr>
+        <p:spPr>
+          <a:xfrm>
+            <a:off x="4627880" y="3012440"/>
+            <a:ext cx="4728845" cy="833120"/>
+          </a:xfrm>
+          <a:prstGeom prst="rect">
+            <a:avLst/>
+          </a:prstGeom>
+        </p:spPr>
+        <p:style>
+          <a:lnRef idx="2">
+            <a:schemeClr val="accent1">
+              <a:shade val="50000"/>
+            </a:schemeClr>
+          </a:lnRef>
+          <a:fillRef idx="1">
+            <a:schemeClr val="accent1"/>
+          </a:fillRef>
+          <a:effectRef idx="0">
+            <a:schemeClr val="accent1"/>
+          </a:effectRef>
+          <a:fontRef idx="minor">
+            <a:schemeClr val="lt1"/>
+          </a:fontRef>
+        </p:style>
+        <p:txBody>
+          <a:bodyPr rtlCol="0" anchor="ctr"/>
+          <a:p>
+            <a:pPr algn="l"/>
+            <a:r>
+              <a:rPr lang="en-US" sz="1000"/>
+              <a:t>8</a:t>
+            </a:r>
+            <a:r>
+              <a:rPr lang="zh-CN" altLang="en-US" sz="1000"/>
+              <a:t>、</a:t>
+            </a:r>
+            <a:r>
+              <a:rPr lang="en-US" altLang="zh-CN" sz="1000"/>
+              <a:t>JVM</a:t>
+            </a:r>
+            <a:r>
+              <a:rPr lang="zh-CN" altLang="en-US" sz="1000"/>
+              <a:t>重用</a:t>
+            </a:r>
+            <a:endParaRPr lang="zh-CN" altLang="en-US" sz="1000"/>
+          </a:p>
+          <a:p>
+            <a:pPr algn="l"/>
+            <a:r>
+              <a:rPr lang="zh-CN" altLang="en-US" sz="1000"/>
+              <a:t>可以将mapred.job.reuse.jvm.num.tasks设置成大于1的数。这表示属于同一job的顺序执行的task可以共享一个JVM，也就是说第二轮的map可以重用前一轮的JVM，而不是第一轮结束后关闭JVM，第二轮再启动新的JVM</a:t>
+            </a:r>
+            <a:r>
+              <a:rPr lang="en-US" altLang="zh-CN" sz="1000"/>
+              <a:t>.</a:t>
+            </a:r>
+            <a:endParaRPr lang="en-US" altLang="zh-CN" sz="1000"/>
+          </a:p>
+        </p:txBody>
+      </p:sp>
+    </p:spTree>
+  </p:cSld>
+  <p:clrMapOvr>
+    <a:masterClrMapping/>
+  </p:clrMapOvr>
+</p:sld>
+</file>
+
+<file path=ppt/slides/slide3.xml><?xml version="1.0" encoding="utf-8"?>
+<p:sld xmlns:a="http://schemas.openxmlformats.org/drawingml/2006/main" xmlns:r="http://schemas.openxmlformats.org/officeDocument/2006/relationships" xmlns:p="http://schemas.openxmlformats.org/presentationml/2006/main">
+  <p:cSld>
+    <p:spTree>
+      <p:nvGrpSpPr>
+        <p:cNvPr id="1" name=""/>
+        <p:cNvGrpSpPr/>
+        <p:nvPr/>
+      </p:nvGrpSpPr>
+      <p:grpSpPr/>
+    </p:spTree>
+  </p:cSld>
+  <p:clrMapOvr>
+    <a:masterClrMapping/>
+  </p:clrMapOvr>
+</p:sld>
+</file>
+
+<file path=ppt/slides/slide4.xml><?xml version="1.0" encoding="utf-8"?>
+<p:sld xmlns:a="http://schemas.openxmlformats.org/drawingml/2006/main" xmlns:r="http://schemas.openxmlformats.org/officeDocument/2006/relationships" xmlns:p="http://schemas.openxmlformats.org/presentationml/2006/main">
+  <p:cSld>
+    <p:spTree>
+      <p:nvGrpSpPr>
+        <p:cNvPr id="1" name=""/>
+        <p:cNvGrpSpPr/>
+        <p:nvPr/>
+      </p:nvGrpSpPr>
+      <p:grpSpPr/>
+    </p:spTree>
+  </p:cSld>
+  <p:clrMapOvr>
+    <a:masterClrMapping/>
+  </p:clrMapOvr>
+</p:sld>
+</file>
+
+<file path=ppt/slides/slide5.xml><?xml version="1.0" encoding="utf-8"?>
+<p:sld xmlns:a="http://schemas.openxmlformats.org/drawingml/2006/main" xmlns:r="http://schemas.openxmlformats.org/officeDocument/2006/relationships" xmlns:p="http://schemas.openxmlformats.org/presentationml/2006/main">
+  <p:cSld>
+    <p:spTree>
+      <p:nvGrpSpPr>
+        <p:cNvPr id="1" name=""/>
+        <p:cNvGrpSpPr/>
+        <p:nvPr/>
+      </p:nvGrpSpPr>
+      <p:grpSpPr/>
+    </p:spTree>
+  </p:cSld>
+  <p:clrMapOvr>
+    <a:masterClrMapping/>
+  </p:clrMapOvr>
+</p:sld>
+</file>
+
+<file path=ppt/slides/slide6.xml><?xml version="1.0" encoding="utf-8"?>
+<p:sld xmlns:a="http://schemas.openxmlformats.org/drawingml/2006/main" xmlns:r="http://schemas.openxmlformats.org/officeDocument/2006/relationships" xmlns:p="http://schemas.openxmlformats.org/presentationml/2006/main">
+  <p:cSld>
+    <p:spTree>
+      <p:nvGrpSpPr>
+        <p:cNvPr id="1" name=""/>
+        <p:cNvGrpSpPr/>
+        <p:nvPr/>
+      </p:nvGrpSpPr>
+      <p:grpSpPr/>
+    </p:spTree>
+  </p:cSld>
+  <p:clrMapOvr>
+    <a:masterClrMapping/>
+  </p:clrMapOvr>
+</p:sld>
+</file>
+
+<file path=ppt/slides/slide7.xml><?xml version="1.0" encoding="utf-8"?>
+<p:sld xmlns:a="http://schemas.openxmlformats.org/drawingml/2006/main" xmlns:r="http://schemas.openxmlformats.org/officeDocument/2006/relationships" xmlns:p="http://schemas.openxmlformats.org/presentationml/2006/main">
+  <p:cSld>
+    <p:spTree>
+      <p:nvGrpSpPr>
+        <p:cNvPr id="1" name=""/>
+        <p:cNvGrpSpPr/>
+        <p:nvPr/>
+      </p:nvGrpSpPr>
+      <p:grpSpPr/>
+    </p:spTree>
+  </p:cSld>
+  <p:clrMapOvr>
+    <a:masterClrMapping/>
+  </p:clrMapOvr>
+</p:sld>
+</file>
+
+<file path=ppt/slides/slide8.xml><?xml version="1.0" encoding="utf-8"?>
+<p:sld xmlns:a="http://schemas.openxmlformats.org/drawingml/2006/main" xmlns:r="http://schemas.openxmlformats.org/officeDocument/2006/relationships" xmlns:p="http://schemas.openxmlformats.org/presentationml/2006/main">
+  <p:cSld>
+    <p:spTree>
+      <p:nvGrpSpPr>
+        <p:cNvPr id="1" name=""/>
+        <p:cNvGrpSpPr/>
+        <p:nvPr/>
+      </p:nvGrpSpPr>
+      <p:grpSpPr/>
+    </p:spTree>
+  </p:cSld>
+  <p:clrMapOvr>
+    <a:masterClrMapping/>
+  </p:clrMapOvr>
+</p:sld>
+</file>
+
+<file path=ppt/slides/slide9.xml><?xml version="1.0" encoding="utf-8"?>
+<p:sld xmlns:a="http://schemas.openxmlformats.org/drawingml/2006/main" xmlns:r="http://schemas.openxmlformats.org/officeDocument/2006/relationships" xmlns:p="http://schemas.openxmlformats.org/presentationml/2006/main">
+  <p:cSld>
+    <p:spTree>
+      <p:nvGrpSpPr>
+        <p:cNvPr id="1" name=""/>
+        <p:cNvGrpSpPr/>
+        <p:nvPr/>
+      </p:nvGrpSpPr>
+      <p:grpSpPr/>
+    </p:spTree>
+  </p:cSld>
+  <p:clrMapOvr>
+    <a:masterClrMapping/>
+  </p:clrMapOvr>
+</p:sld>
+</file>
+
 <file path=ppt/theme/theme1.xml><?xml version="1.0" encoding="utf-8"?>
 <a:theme xmlns:a="http://schemas.openxmlformats.org/drawingml/2006/main" name="Office 主题">
   <a:themeElements>
@@ -2987,7 +4275,7 @@
     </a:clrScheme>
     <a:fontScheme name="Office">
       <a:majorFont>
-        <a:latin typeface="Calibri Light" panose="020F0302020204030204"/>
+        <a:latin typeface="Calibri Light"/>
         <a:ea typeface=""/>
         <a:cs typeface=""/>
         <a:font script="Jpan" typeface="ＭＳ Ｐゴシック"/>
@@ -3022,7 +4310,7 @@
         <a:font script="Geor" typeface="Sylfaen"/>
       </a:majorFont>
       <a:minorFont>
-        <a:latin typeface="Calibri" panose="020F0502020204030204"/>
+        <a:latin typeface="Calibri"/>
         <a:ea typeface=""/>
         <a:cs typeface=""/>
         <a:font script="Jpan" typeface="ＭＳ Ｐゴシック"/>
@@ -3195,8 +4483,6 @@
       </a:bgFillStyleLst>
     </a:fmtScheme>
   </a:themeElements>
-  <a:objectDefaults/>
-  <a:extraClrSchemeLst/>
   <a:extLst>
     <a:ext uri="{05A4C25C-085E-4340-85A3-A5531E510DB2}">
       <thm15:themeFamily xmlns:thm15="http://schemas.microsoft.com/office/thememl/2012/main" name="Office Theme" id="{62F939B6-93AF-4DB8-9C6B-D6C7DFDC589F}" vid="{4A3C46E8-61CC-4603-A589-7422A47A8E4A}"/>
